--- a/presentation/ThesisTabuenca.pptx
+++ b/presentation/ThesisTabuenca.pptx
@@ -4,6 +4,9 @@
   <p:sldMasterIdLst>
     <p:sldMasterId id="2147483648" r:id="rId1"/>
   </p:sldMasterIdLst>
+  <p:notesMasterIdLst>
+    <p:notesMasterId r:id="rId12"/>
+  </p:notesMasterIdLst>
   <p:sldIdLst>
     <p:sldId id="256" r:id="rId2"/>
     <p:sldId id="257" r:id="rId3"/>
@@ -11,7 +14,10 @@
     <p:sldId id="258" r:id="rId5"/>
     <p:sldId id="260" r:id="rId6"/>
     <p:sldId id="261" r:id="rId7"/>
-    <p:sldId id="262" r:id="rId8"/>
+    <p:sldId id="263" r:id="rId8"/>
+    <p:sldId id="264" r:id="rId9"/>
+    <p:sldId id="265" r:id="rId10"/>
+    <p:sldId id="262" r:id="rId11"/>
   </p:sldIdLst>
   <p:sldSz cx="9144000" cy="6858000" type="screen4x3"/>
   <p:notesSz cx="6858000" cy="9144000"/>
@@ -113,6 +119,861 @@
 </p:presentation>
 </file>
 
+<file path=ppt/notesMasters/notesMaster1.xml><?xml version="1.0" encoding="utf-8"?>
+<p:notesMaster xmlns:a="http://schemas.openxmlformats.org/drawingml/2006/main" xmlns:r="http://schemas.openxmlformats.org/officeDocument/2006/relationships" xmlns:p="http://schemas.openxmlformats.org/presentationml/2006/main">
+  <p:cSld>
+    <p:bg>
+      <p:bgRef idx="1001">
+        <a:schemeClr val="bg1"/>
+      </p:bgRef>
+    </p:bg>
+    <p:spTree>
+      <p:nvGrpSpPr>
+        <p:cNvPr id="1" name=""/>
+        <p:cNvGrpSpPr/>
+        <p:nvPr/>
+      </p:nvGrpSpPr>
+      <p:grpSpPr>
+        <a:xfrm>
+          <a:off x="0" y="0"/>
+          <a:ext cx="0" cy="0"/>
+          <a:chOff x="0" y="0"/>
+          <a:chExt cx="0" cy="0"/>
+        </a:xfrm>
+      </p:grpSpPr>
+      <p:sp>
+        <p:nvSpPr>
+          <p:cNvPr id="2" name="Header Placeholder 1"/>
+          <p:cNvSpPr>
+            <a:spLocks noGrp="1"/>
+          </p:cNvSpPr>
+          <p:nvPr>
+            <p:ph type="hdr" sz="quarter"/>
+          </p:nvPr>
+        </p:nvSpPr>
+        <p:spPr>
+          <a:xfrm>
+            <a:off x="0" y="0"/>
+            <a:ext cx="2971800" cy="457200"/>
+          </a:xfrm>
+          <a:prstGeom prst="rect">
+            <a:avLst/>
+          </a:prstGeom>
+        </p:spPr>
+        <p:txBody>
+          <a:bodyPr vert="horz" lIns="91440" tIns="45720" rIns="91440" bIns="45720" rtlCol="0"/>
+          <a:lstStyle>
+            <a:lvl1pPr algn="l">
+              <a:defRPr sz="1200"/>
+            </a:lvl1pPr>
+          </a:lstStyle>
+          <a:p>
+            <a:endParaRPr lang="en-GB"/>
+          </a:p>
+        </p:txBody>
+      </p:sp>
+      <p:sp>
+        <p:nvSpPr>
+          <p:cNvPr id="3" name="Date Placeholder 2"/>
+          <p:cNvSpPr>
+            <a:spLocks noGrp="1"/>
+          </p:cNvSpPr>
+          <p:nvPr>
+            <p:ph type="dt" idx="1"/>
+          </p:nvPr>
+        </p:nvSpPr>
+        <p:spPr>
+          <a:xfrm>
+            <a:off x="3884613" y="0"/>
+            <a:ext cx="2971800" cy="457200"/>
+          </a:xfrm>
+          <a:prstGeom prst="rect">
+            <a:avLst/>
+          </a:prstGeom>
+        </p:spPr>
+        <p:txBody>
+          <a:bodyPr vert="horz" lIns="91440" tIns="45720" rIns="91440" bIns="45720" rtlCol="0"/>
+          <a:lstStyle>
+            <a:lvl1pPr algn="r">
+              <a:defRPr sz="1200"/>
+            </a:lvl1pPr>
+          </a:lstStyle>
+          <a:p>
+            <a:fld id="{E4132298-AE35-F24E-8E9F-BF0A4CAFC80E}" type="datetimeFigureOut">
+              <a:rPr lang="en-US" smtClean="0"/>
+              <a:t>27/05/15</a:t>
+            </a:fld>
+            <a:endParaRPr lang="en-GB"/>
+          </a:p>
+        </p:txBody>
+      </p:sp>
+      <p:sp>
+        <p:nvSpPr>
+          <p:cNvPr id="4" name="Slide Image Placeholder 3"/>
+          <p:cNvSpPr>
+            <a:spLocks noGrp="1" noRot="1" noChangeAspect="1"/>
+          </p:cNvSpPr>
+          <p:nvPr>
+            <p:ph type="sldImg" idx="2"/>
+          </p:nvPr>
+        </p:nvSpPr>
+        <p:spPr>
+          <a:xfrm>
+            <a:off x="1143000" y="685800"/>
+            <a:ext cx="4572000" cy="3429000"/>
+          </a:xfrm>
+          <a:prstGeom prst="rect">
+            <a:avLst/>
+          </a:prstGeom>
+          <a:noFill/>
+          <a:ln w="12700">
+            <a:solidFill>
+              <a:prstClr val="black"/>
+            </a:solidFill>
+          </a:ln>
+        </p:spPr>
+        <p:txBody>
+          <a:bodyPr vert="horz" lIns="91440" tIns="45720" rIns="91440" bIns="45720" rtlCol="0" anchor="ctr"/>
+          <a:lstStyle/>
+          <a:p>
+            <a:endParaRPr lang="en-GB"/>
+          </a:p>
+        </p:txBody>
+      </p:sp>
+      <p:sp>
+        <p:nvSpPr>
+          <p:cNvPr id="5" name="Notes Placeholder 4"/>
+          <p:cNvSpPr>
+            <a:spLocks noGrp="1"/>
+          </p:cNvSpPr>
+          <p:nvPr>
+            <p:ph type="body" sz="quarter" idx="3"/>
+          </p:nvPr>
+        </p:nvSpPr>
+        <p:spPr>
+          <a:xfrm>
+            <a:off x="685800" y="4343400"/>
+            <a:ext cx="5486400" cy="4114800"/>
+          </a:xfrm>
+          <a:prstGeom prst="rect">
+            <a:avLst/>
+          </a:prstGeom>
+        </p:spPr>
+        <p:txBody>
+          <a:bodyPr vert="horz" lIns="91440" tIns="45720" rIns="91440" bIns="45720" rtlCol="0"/>
+          <a:lstStyle/>
+          <a:p>
+            <a:pPr lvl="0"/>
+            <a:r>
+              <a:rPr lang="x-none" smtClean="0"/>
+              <a:t>Click to edit Master text styles</a:t>
+            </a:r>
+          </a:p>
+          <a:p>
+            <a:pPr lvl="1"/>
+            <a:r>
+              <a:rPr lang="x-none" smtClean="0"/>
+              <a:t>Second level</a:t>
+            </a:r>
+          </a:p>
+          <a:p>
+            <a:pPr lvl="2"/>
+            <a:r>
+              <a:rPr lang="x-none" smtClean="0"/>
+              <a:t>Third level</a:t>
+            </a:r>
+          </a:p>
+          <a:p>
+            <a:pPr lvl="3"/>
+            <a:r>
+              <a:rPr lang="x-none" smtClean="0"/>
+              <a:t>Fourth level</a:t>
+            </a:r>
+          </a:p>
+          <a:p>
+            <a:pPr lvl="4"/>
+            <a:r>
+              <a:rPr lang="x-none" smtClean="0"/>
+              <a:t>Fifth level</a:t>
+            </a:r>
+            <a:endParaRPr lang="en-GB"/>
+          </a:p>
+        </p:txBody>
+      </p:sp>
+      <p:sp>
+        <p:nvSpPr>
+          <p:cNvPr id="6" name="Footer Placeholder 5"/>
+          <p:cNvSpPr>
+            <a:spLocks noGrp="1"/>
+          </p:cNvSpPr>
+          <p:nvPr>
+            <p:ph type="ftr" sz="quarter" idx="4"/>
+          </p:nvPr>
+        </p:nvSpPr>
+        <p:spPr>
+          <a:xfrm>
+            <a:off x="0" y="8685213"/>
+            <a:ext cx="2971800" cy="457200"/>
+          </a:xfrm>
+          <a:prstGeom prst="rect">
+            <a:avLst/>
+          </a:prstGeom>
+        </p:spPr>
+        <p:txBody>
+          <a:bodyPr vert="horz" lIns="91440" tIns="45720" rIns="91440" bIns="45720" rtlCol="0" anchor="b"/>
+          <a:lstStyle>
+            <a:lvl1pPr algn="l">
+              <a:defRPr sz="1200"/>
+            </a:lvl1pPr>
+          </a:lstStyle>
+          <a:p>
+            <a:endParaRPr lang="en-GB"/>
+          </a:p>
+        </p:txBody>
+      </p:sp>
+      <p:sp>
+        <p:nvSpPr>
+          <p:cNvPr id="7" name="Slide Number Placeholder 6"/>
+          <p:cNvSpPr>
+            <a:spLocks noGrp="1"/>
+          </p:cNvSpPr>
+          <p:nvPr>
+            <p:ph type="sldNum" sz="quarter" idx="5"/>
+          </p:nvPr>
+        </p:nvSpPr>
+        <p:spPr>
+          <a:xfrm>
+            <a:off x="3884613" y="8685213"/>
+            <a:ext cx="2971800" cy="457200"/>
+          </a:xfrm>
+          <a:prstGeom prst="rect">
+            <a:avLst/>
+          </a:prstGeom>
+        </p:spPr>
+        <p:txBody>
+          <a:bodyPr vert="horz" lIns="91440" tIns="45720" rIns="91440" bIns="45720" rtlCol="0" anchor="b"/>
+          <a:lstStyle>
+            <a:lvl1pPr algn="r">
+              <a:defRPr sz="1200"/>
+            </a:lvl1pPr>
+          </a:lstStyle>
+          <a:p>
+            <a:fld id="{7E3AEB0B-703A-154F-A184-D336BBE0AE43}" type="slidenum">
+              <a:rPr lang="en-GB" smtClean="0"/>
+              <a:t>‹#›</a:t>
+            </a:fld>
+            <a:endParaRPr lang="en-GB"/>
+          </a:p>
+        </p:txBody>
+      </p:sp>
+    </p:spTree>
+    <p:extLst>
+      <p:ext uri="{BB962C8B-B14F-4D97-AF65-F5344CB8AC3E}">
+        <p14:creationId xmlns:p14="http://schemas.microsoft.com/office/powerpoint/2010/main" val="372444335"/>
+      </p:ext>
+    </p:extLst>
+  </p:cSld>
+  <p:clrMap bg1="lt1" tx1="dk1" bg2="lt2" tx2="dk2" accent1="accent1" accent2="accent2" accent3="accent3" accent4="accent4" accent5="accent5" accent6="accent6" hlink="hlink" folHlink="folHlink"/>
+  <p:notesStyle>
+    <a:lvl1pPr marL="0" algn="l" defTabSz="457200" rtl="0" eaLnBrk="1" latinLnBrk="0" hangingPunct="1">
+      <a:defRPr sz="1200" kern="1200">
+        <a:solidFill>
+          <a:schemeClr val="tx1"/>
+        </a:solidFill>
+        <a:latin typeface="+mn-lt"/>
+        <a:ea typeface="+mn-ea"/>
+        <a:cs typeface="+mn-cs"/>
+      </a:defRPr>
+    </a:lvl1pPr>
+    <a:lvl2pPr marL="457200" algn="l" defTabSz="457200" rtl="0" eaLnBrk="1" latinLnBrk="0" hangingPunct="1">
+      <a:defRPr sz="1200" kern="1200">
+        <a:solidFill>
+          <a:schemeClr val="tx1"/>
+        </a:solidFill>
+        <a:latin typeface="+mn-lt"/>
+        <a:ea typeface="+mn-ea"/>
+        <a:cs typeface="+mn-cs"/>
+      </a:defRPr>
+    </a:lvl2pPr>
+    <a:lvl3pPr marL="914400" algn="l" defTabSz="457200" rtl="0" eaLnBrk="1" latinLnBrk="0" hangingPunct="1">
+      <a:defRPr sz="1200" kern="1200">
+        <a:solidFill>
+          <a:schemeClr val="tx1"/>
+        </a:solidFill>
+        <a:latin typeface="+mn-lt"/>
+        <a:ea typeface="+mn-ea"/>
+        <a:cs typeface="+mn-cs"/>
+      </a:defRPr>
+    </a:lvl3pPr>
+    <a:lvl4pPr marL="1371600" algn="l" defTabSz="457200" rtl="0" eaLnBrk="1" latinLnBrk="0" hangingPunct="1">
+      <a:defRPr sz="1200" kern="1200">
+        <a:solidFill>
+          <a:schemeClr val="tx1"/>
+        </a:solidFill>
+        <a:latin typeface="+mn-lt"/>
+        <a:ea typeface="+mn-ea"/>
+        <a:cs typeface="+mn-cs"/>
+      </a:defRPr>
+    </a:lvl4pPr>
+    <a:lvl5pPr marL="1828800" algn="l" defTabSz="457200" rtl="0" eaLnBrk="1" latinLnBrk="0" hangingPunct="1">
+      <a:defRPr sz="1200" kern="1200">
+        <a:solidFill>
+          <a:schemeClr val="tx1"/>
+        </a:solidFill>
+        <a:latin typeface="+mn-lt"/>
+        <a:ea typeface="+mn-ea"/>
+        <a:cs typeface="+mn-cs"/>
+      </a:defRPr>
+    </a:lvl5pPr>
+    <a:lvl6pPr marL="2286000" algn="l" defTabSz="457200" rtl="0" eaLnBrk="1" latinLnBrk="0" hangingPunct="1">
+      <a:defRPr sz="1200" kern="1200">
+        <a:solidFill>
+          <a:schemeClr val="tx1"/>
+        </a:solidFill>
+        <a:latin typeface="+mn-lt"/>
+        <a:ea typeface="+mn-ea"/>
+        <a:cs typeface="+mn-cs"/>
+      </a:defRPr>
+    </a:lvl6pPr>
+    <a:lvl7pPr marL="2743200" algn="l" defTabSz="457200" rtl="0" eaLnBrk="1" latinLnBrk="0" hangingPunct="1">
+      <a:defRPr sz="1200" kern="1200">
+        <a:solidFill>
+          <a:schemeClr val="tx1"/>
+        </a:solidFill>
+        <a:latin typeface="+mn-lt"/>
+        <a:ea typeface="+mn-ea"/>
+        <a:cs typeface="+mn-cs"/>
+      </a:defRPr>
+    </a:lvl7pPr>
+    <a:lvl8pPr marL="3200400" algn="l" defTabSz="457200" rtl="0" eaLnBrk="1" latinLnBrk="0" hangingPunct="1">
+      <a:defRPr sz="1200" kern="1200">
+        <a:solidFill>
+          <a:schemeClr val="tx1"/>
+        </a:solidFill>
+        <a:latin typeface="+mn-lt"/>
+        <a:ea typeface="+mn-ea"/>
+        <a:cs typeface="+mn-cs"/>
+      </a:defRPr>
+    </a:lvl8pPr>
+    <a:lvl9pPr marL="3657600" algn="l" defTabSz="457200" rtl="0" eaLnBrk="1" latinLnBrk="0" hangingPunct="1">
+      <a:defRPr sz="1200" kern="1200">
+        <a:solidFill>
+          <a:schemeClr val="tx1"/>
+        </a:solidFill>
+        <a:latin typeface="+mn-lt"/>
+        <a:ea typeface="+mn-ea"/>
+        <a:cs typeface="+mn-cs"/>
+      </a:defRPr>
+    </a:lvl9pPr>
+  </p:notesStyle>
+</p:notesMaster>
+</file>
+
+<file path=ppt/notesSlides/notesSlide1.xml><?xml version="1.0" encoding="utf-8"?>
+<p:notes xmlns:a="http://schemas.openxmlformats.org/drawingml/2006/main" xmlns:r="http://schemas.openxmlformats.org/officeDocument/2006/relationships" xmlns:p="http://schemas.openxmlformats.org/presentationml/2006/main">
+  <p:cSld>
+    <p:spTree>
+      <p:nvGrpSpPr>
+        <p:cNvPr id="1" name=""/>
+        <p:cNvGrpSpPr/>
+        <p:nvPr/>
+      </p:nvGrpSpPr>
+      <p:grpSpPr>
+        <a:xfrm>
+          <a:off x="0" y="0"/>
+          <a:ext cx="0" cy="0"/>
+          <a:chOff x="0" y="0"/>
+          <a:chExt cx="0" cy="0"/>
+        </a:xfrm>
+      </p:grpSpPr>
+      <p:sp>
+        <p:nvSpPr>
+          <p:cNvPr id="2" name="Slide Image Placeholder 1"/>
+          <p:cNvSpPr>
+            <a:spLocks noGrp="1" noRot="1" noChangeAspect="1"/>
+          </p:cNvSpPr>
+          <p:nvPr>
+            <p:ph type="sldImg"/>
+          </p:nvPr>
+        </p:nvSpPr>
+        <p:spPr/>
+      </p:sp>
+      <p:sp>
+        <p:nvSpPr>
+          <p:cNvPr id="3" name="Notes Placeholder 2"/>
+          <p:cNvSpPr>
+            <a:spLocks noGrp="1"/>
+          </p:cNvSpPr>
+          <p:nvPr>
+            <p:ph type="body" idx="1"/>
+          </p:nvPr>
+        </p:nvSpPr>
+        <p:spPr/>
+        <p:txBody>
+          <a:bodyPr/>
+          <a:lstStyle/>
+          <a:p>
+            <a:pPr marL="0" marR="0" indent="0" algn="l" defTabSz="457200" rtl="0" eaLnBrk="1" fontAlgn="auto" latinLnBrk="0" hangingPunct="1">
+              <a:lnSpc>
+                <a:spcPct val="100000"/>
+              </a:lnSpc>
+              <a:spcBef>
+                <a:spcPts val="0"/>
+              </a:spcBef>
+              <a:spcAft>
+                <a:spcPts val="0"/>
+              </a:spcAft>
+              <a:buClrTx/>
+              <a:buSzTx/>
+              <a:buFontTx/>
+              <a:buNone/>
+              <a:tabLst/>
+              <a:defRPr/>
+            </a:pPr>
+            <a:r>
+              <a:rPr lang="en-US" sz="1200" kern="1200" dirty="0" smtClean="0">
+                <a:solidFill>
+                  <a:schemeClr val="tx1"/>
+                </a:solidFill>
+                <a:effectLst/>
+                <a:latin typeface="+mn-lt"/>
+                <a:ea typeface="+mn-ea"/>
+                <a:cs typeface="+mn-cs"/>
+              </a:rPr>
+              <a:t>This research aims not at guiding the lifelong learning society towards the </a:t>
+            </a:r>
+            <a:r>
+              <a:rPr lang="en-US" sz="1200" kern="1200" dirty="0" err="1" smtClean="0">
+                <a:solidFill>
+                  <a:schemeClr val="tx1"/>
+                </a:solidFill>
+                <a:effectLst/>
+                <a:latin typeface="+mn-lt"/>
+                <a:ea typeface="+mn-ea"/>
+                <a:cs typeface="+mn-cs"/>
+              </a:rPr>
+              <a:t>accom</a:t>
+            </a:r>
+            <a:r>
+              <a:rPr lang="en-US" sz="1200" kern="1200" dirty="0" smtClean="0">
+                <a:solidFill>
+                  <a:schemeClr val="tx1"/>
+                </a:solidFill>
+                <a:effectLst/>
+                <a:latin typeface="+mn-lt"/>
+                <a:ea typeface="+mn-ea"/>
+                <a:cs typeface="+mn-cs"/>
+              </a:rPr>
+              <a:t>- </a:t>
+            </a:r>
+            <a:r>
+              <a:rPr lang="en-US" sz="1200" kern="1200" dirty="0" err="1" smtClean="0">
+                <a:solidFill>
+                  <a:schemeClr val="tx1"/>
+                </a:solidFill>
+                <a:effectLst/>
+                <a:latin typeface="+mn-lt"/>
+                <a:ea typeface="+mn-ea"/>
+                <a:cs typeface="+mn-cs"/>
+              </a:rPr>
+              <a:t>plishment</a:t>
+            </a:r>
+            <a:r>
+              <a:rPr lang="en-US" sz="1200" kern="1200" dirty="0" smtClean="0">
+                <a:solidFill>
+                  <a:schemeClr val="tx1"/>
+                </a:solidFill>
+                <a:effectLst/>
+                <a:latin typeface="+mn-lt"/>
+                <a:ea typeface="+mn-ea"/>
+                <a:cs typeface="+mn-cs"/>
+              </a:rPr>
+              <a:t> of these two competences, but rather at providing cues for individual lifelong learners to foster meta-learning practice supported by technology. Biggs (1985) defines meta-learning as an awareness and understanding of the phenomenon of learning itself. Hereby we conceive meta-learning activities as the increase of knowledge, motivation and self-regulated learning as a result of introspective episodes of reflection by the user to understand how he/she is learning. </a:t>
+            </a:r>
+          </a:p>
+          <a:p>
+            <a:pPr marL="0" marR="0" indent="0" algn="l" defTabSz="457200" rtl="0" eaLnBrk="1" fontAlgn="auto" latinLnBrk="0" hangingPunct="1">
+              <a:lnSpc>
+                <a:spcPct val="100000"/>
+              </a:lnSpc>
+              <a:spcBef>
+                <a:spcPts val="0"/>
+              </a:spcBef>
+              <a:spcAft>
+                <a:spcPts val="0"/>
+              </a:spcAft>
+              <a:buClrTx/>
+              <a:buSzTx/>
+              <a:buFontTx/>
+              <a:buNone/>
+              <a:tabLst/>
+              <a:defRPr/>
+            </a:pPr>
+            <a:r>
+              <a:rPr lang="en-US" sz="1200" kern="1200" dirty="0" smtClean="0">
+                <a:solidFill>
+                  <a:schemeClr val="tx1"/>
+                </a:solidFill>
+                <a:effectLst/>
+                <a:latin typeface="+mn-lt"/>
+                <a:ea typeface="+mn-ea"/>
+                <a:cs typeface="+mn-cs"/>
+              </a:rPr>
+              <a:t>Filters are</a:t>
+            </a:r>
+            <a:r>
+              <a:rPr lang="en-US" sz="1200" kern="1200" dirty="0" smtClean="0">
+                <a:solidFill>
+                  <a:schemeClr val="tx1"/>
+                </a:solidFill>
+                <a:effectLst/>
+                <a:latin typeface="+mn-lt"/>
+                <a:ea typeface="+mn-ea"/>
+                <a:cs typeface="+mn-cs"/>
+              </a:rPr>
+              <a:t>:</a:t>
+            </a:r>
+            <a:r>
+              <a:rPr lang="en-US" sz="1200" kern="1200" baseline="0" dirty="0" smtClean="0">
+                <a:solidFill>
+                  <a:schemeClr val="tx1"/>
+                </a:solidFill>
+                <a:effectLst/>
+                <a:latin typeface="+mn-lt"/>
+                <a:ea typeface="+mn-ea"/>
+                <a:cs typeface="+mn-cs"/>
+              </a:rPr>
+              <a:t> </a:t>
+            </a:r>
+          </a:p>
+          <a:p>
+            <a:pPr marL="0" marR="0" indent="0" algn="l" defTabSz="457200" rtl="0" eaLnBrk="1" fontAlgn="auto" latinLnBrk="0" hangingPunct="1">
+              <a:lnSpc>
+                <a:spcPct val="100000"/>
+              </a:lnSpc>
+              <a:spcBef>
+                <a:spcPts val="0"/>
+              </a:spcBef>
+              <a:spcAft>
+                <a:spcPts val="0"/>
+              </a:spcAft>
+              <a:buClrTx/>
+              <a:buSzTx/>
+              <a:buFontTx/>
+              <a:buNone/>
+              <a:tabLst/>
+              <a:defRPr/>
+            </a:pPr>
+            <a:r>
+              <a:rPr lang="en-US" sz="1200" kern="1200" baseline="0" dirty="0" smtClean="0">
+                <a:solidFill>
+                  <a:schemeClr val="tx1"/>
+                </a:solidFill>
+                <a:effectLst/>
+                <a:latin typeface="+mn-lt"/>
+                <a:ea typeface="+mn-ea"/>
+                <a:cs typeface="+mn-cs"/>
+              </a:rPr>
+              <a:t>	seams, </a:t>
+            </a:r>
+            <a:r>
+              <a:rPr lang="en-US" sz="1200" kern="1200" baseline="0" dirty="0" err="1" smtClean="0">
+                <a:solidFill>
+                  <a:schemeClr val="tx1"/>
+                </a:solidFill>
+                <a:effectLst/>
+                <a:latin typeface="+mn-lt"/>
+                <a:ea typeface="+mn-ea"/>
+                <a:cs typeface="+mn-cs"/>
+              </a:rPr>
+              <a:t>wong</a:t>
+            </a:r>
+            <a:endParaRPr lang="en-US" sz="1200" kern="1200" baseline="0" dirty="0" smtClean="0">
+              <a:solidFill>
+                <a:schemeClr val="tx1"/>
+              </a:solidFill>
+              <a:effectLst/>
+              <a:latin typeface="+mn-lt"/>
+              <a:ea typeface="+mn-ea"/>
+              <a:cs typeface="+mn-cs"/>
+            </a:endParaRPr>
+          </a:p>
+          <a:p>
+            <a:pPr marL="0" marR="0" indent="0" algn="l" defTabSz="457200" rtl="0" eaLnBrk="1" fontAlgn="auto" latinLnBrk="0" hangingPunct="1">
+              <a:lnSpc>
+                <a:spcPct val="100000"/>
+              </a:lnSpc>
+              <a:spcBef>
+                <a:spcPts val="0"/>
+              </a:spcBef>
+              <a:spcAft>
+                <a:spcPts val="0"/>
+              </a:spcAft>
+              <a:buClrTx/>
+              <a:buSzTx/>
+              <a:buFontTx/>
+              <a:buNone/>
+              <a:tabLst/>
+              <a:defRPr/>
+            </a:pPr>
+            <a:r>
+              <a:rPr lang="en-US" sz="1200" kern="1200" baseline="0" dirty="0" smtClean="0">
+                <a:solidFill>
+                  <a:schemeClr val="tx1"/>
+                </a:solidFill>
+                <a:effectLst/>
+                <a:latin typeface="+mn-lt"/>
+                <a:ea typeface="+mn-ea"/>
+                <a:cs typeface="+mn-cs"/>
+              </a:rPr>
+              <a:t>	barriers, </a:t>
+            </a:r>
+            <a:r>
+              <a:rPr lang="en-US" sz="1200" kern="1200" baseline="0" dirty="0" err="1" smtClean="0">
+                <a:solidFill>
+                  <a:schemeClr val="tx1"/>
+                </a:solidFill>
+                <a:effectLst/>
+                <a:latin typeface="+mn-lt"/>
+                <a:ea typeface="+mn-ea"/>
+                <a:cs typeface="+mn-cs"/>
+              </a:rPr>
+              <a:t>fischer</a:t>
+            </a:r>
+            <a:r>
+              <a:rPr lang="en-US" sz="1200" kern="1200" baseline="0" dirty="0" smtClean="0">
+                <a:solidFill>
+                  <a:schemeClr val="tx1"/>
+                </a:solidFill>
+                <a:effectLst/>
+                <a:latin typeface="+mn-lt"/>
+                <a:ea typeface="+mn-ea"/>
+                <a:cs typeface="+mn-cs"/>
+              </a:rPr>
+              <a:t> </a:t>
+            </a:r>
+            <a:r>
+              <a:rPr lang="en-US" sz="1200" kern="1200" baseline="0" dirty="0" err="1" smtClean="0">
+                <a:solidFill>
+                  <a:schemeClr val="tx1"/>
+                </a:solidFill>
+                <a:effectLst/>
+                <a:latin typeface="+mn-lt"/>
+                <a:ea typeface="+mn-ea"/>
+                <a:cs typeface="+mn-cs"/>
+              </a:rPr>
+              <a:t>kalz</a:t>
+            </a:r>
+            <a:endParaRPr lang="en-US" sz="1200" kern="1200" baseline="0" dirty="0" smtClean="0">
+              <a:solidFill>
+                <a:schemeClr val="tx1"/>
+              </a:solidFill>
+              <a:effectLst/>
+              <a:latin typeface="+mn-lt"/>
+              <a:ea typeface="+mn-ea"/>
+              <a:cs typeface="+mn-cs"/>
+            </a:endParaRPr>
+          </a:p>
+          <a:p>
+            <a:pPr marL="0" marR="0" indent="0" algn="l" defTabSz="457200" rtl="0" eaLnBrk="1" fontAlgn="auto" latinLnBrk="0" hangingPunct="1">
+              <a:lnSpc>
+                <a:spcPct val="100000"/>
+              </a:lnSpc>
+              <a:spcBef>
+                <a:spcPts val="0"/>
+              </a:spcBef>
+              <a:spcAft>
+                <a:spcPts val="0"/>
+              </a:spcAft>
+              <a:buClrTx/>
+              <a:buSzTx/>
+              <a:buFontTx/>
+              <a:buNone/>
+              <a:tabLst/>
+              <a:defRPr/>
+            </a:pPr>
+            <a:r>
+              <a:rPr lang="en-US" sz="1200" kern="1200" baseline="0" dirty="0" smtClean="0">
+                <a:solidFill>
+                  <a:schemeClr val="tx1"/>
+                </a:solidFill>
+                <a:effectLst/>
+                <a:latin typeface="+mn-lt"/>
+                <a:ea typeface="+mn-ea"/>
+                <a:cs typeface="+mn-cs"/>
+              </a:rPr>
+              <a:t>	</a:t>
+            </a:r>
+            <a:r>
+              <a:rPr lang="en-US" sz="1200" kern="1200" baseline="0" dirty="0" err="1" smtClean="0">
+                <a:solidFill>
+                  <a:schemeClr val="tx1"/>
+                </a:solidFill>
+                <a:effectLst/>
+                <a:latin typeface="+mn-lt"/>
+                <a:ea typeface="+mn-ea"/>
+                <a:cs typeface="+mn-cs"/>
+              </a:rPr>
+              <a:t>eurostat</a:t>
+            </a:r>
+            <a:r>
+              <a:rPr lang="en-US" sz="1200" kern="1200" baseline="0" dirty="0" smtClean="0">
+                <a:solidFill>
+                  <a:schemeClr val="tx1"/>
+                </a:solidFill>
+                <a:effectLst/>
+                <a:latin typeface="+mn-lt"/>
+                <a:ea typeface="+mn-ea"/>
+                <a:cs typeface="+mn-cs"/>
+              </a:rPr>
+              <a:t> (time location and </a:t>
+            </a:r>
+            <a:r>
+              <a:rPr lang="en-US" sz="1200" kern="1200" baseline="0" dirty="0" err="1" smtClean="0">
+                <a:solidFill>
+                  <a:schemeClr val="tx1"/>
+                </a:solidFill>
+                <a:effectLst/>
+                <a:latin typeface="+mn-lt"/>
+                <a:ea typeface="+mn-ea"/>
+                <a:cs typeface="+mn-cs"/>
+              </a:rPr>
+              <a:t>confilcts</a:t>
+            </a:r>
+            <a:r>
+              <a:rPr lang="en-US" sz="1200" kern="1200" baseline="0" dirty="0" smtClean="0">
+                <a:solidFill>
+                  <a:schemeClr val="tx1"/>
+                </a:solidFill>
+                <a:effectLst/>
+                <a:latin typeface="+mn-lt"/>
+                <a:ea typeface="+mn-ea"/>
+                <a:cs typeface="+mn-cs"/>
+              </a:rPr>
+              <a:t> with other barriers), </a:t>
+            </a:r>
+          </a:p>
+          <a:p>
+            <a:pPr marL="0" marR="0" indent="0" algn="l" defTabSz="457200" rtl="0" eaLnBrk="1" fontAlgn="auto" latinLnBrk="0" hangingPunct="1">
+              <a:lnSpc>
+                <a:spcPct val="100000"/>
+              </a:lnSpc>
+              <a:spcBef>
+                <a:spcPts val="0"/>
+              </a:spcBef>
+              <a:spcAft>
+                <a:spcPts val="0"/>
+              </a:spcAft>
+              <a:buClrTx/>
+              <a:buSzTx/>
+              <a:buFontTx/>
+              <a:buNone/>
+              <a:tabLst/>
+              <a:defRPr/>
+            </a:pPr>
+            <a:r>
+              <a:rPr lang="en-US" sz="1200" kern="1200" baseline="0" dirty="0" smtClean="0">
+                <a:solidFill>
+                  <a:schemeClr val="tx1"/>
+                </a:solidFill>
+                <a:effectLst/>
+                <a:latin typeface="+mn-lt"/>
+                <a:ea typeface="+mn-ea"/>
+                <a:cs typeface="+mn-cs"/>
+              </a:rPr>
+              <a:t>	time, interaction and visualization. Chapter 3</a:t>
+            </a:r>
+            <a:endParaRPr lang="en-US" dirty="0" smtClean="0"/>
+          </a:p>
+          <a:p>
+            <a:endParaRPr lang="en-GB" dirty="0" smtClean="0"/>
+          </a:p>
+          <a:p>
+            <a:r>
+              <a:rPr lang="en-GB" dirty="0" smtClean="0"/>
+              <a:t>Solutions</a:t>
+            </a:r>
+            <a:r>
+              <a:rPr lang="en-GB" baseline="0" dirty="0" smtClean="0"/>
+              <a:t> are :</a:t>
+            </a:r>
+          </a:p>
+          <a:p>
+            <a:pPr marL="0" marR="0" indent="0" algn="l" defTabSz="457200" rtl="0" eaLnBrk="1" fontAlgn="auto" latinLnBrk="0" hangingPunct="1">
+              <a:lnSpc>
+                <a:spcPct val="100000"/>
+              </a:lnSpc>
+              <a:spcBef>
+                <a:spcPts val="0"/>
+              </a:spcBef>
+              <a:spcAft>
+                <a:spcPts val="0"/>
+              </a:spcAft>
+              <a:buClrTx/>
+              <a:buSzTx/>
+              <a:buFontTx/>
+              <a:buNone/>
+              <a:tabLst/>
+              <a:defRPr/>
+            </a:pPr>
+            <a:r>
+              <a:rPr lang="en-US" sz="1200" kern="1200" dirty="0" smtClean="0">
+                <a:solidFill>
+                  <a:schemeClr val="tx1"/>
+                </a:solidFill>
+                <a:effectLst/>
+                <a:latin typeface="+mn-lt"/>
+                <a:ea typeface="+mn-ea"/>
+                <a:cs typeface="+mn-cs"/>
+              </a:rPr>
+              <a:t>This ecology increases the chances of learning in scattered moments (i.e. waiting times, commercial break on TV) replacing this perceived “lost time” into perceived “productive time”. </a:t>
+            </a:r>
+            <a:endParaRPr lang="en-US" dirty="0" smtClean="0"/>
+          </a:p>
+          <a:p>
+            <a:endParaRPr lang="en-GB" baseline="0" dirty="0" smtClean="0"/>
+          </a:p>
+          <a:p>
+            <a:endParaRPr lang="en-GB" baseline="0" dirty="0" smtClean="0"/>
+          </a:p>
+        </p:txBody>
+      </p:sp>
+      <p:sp>
+        <p:nvSpPr>
+          <p:cNvPr id="4" name="Slide Number Placeholder 3"/>
+          <p:cNvSpPr>
+            <a:spLocks noGrp="1"/>
+          </p:cNvSpPr>
+          <p:nvPr>
+            <p:ph type="sldNum" sz="quarter" idx="10"/>
+          </p:nvPr>
+        </p:nvSpPr>
+        <p:spPr/>
+        <p:txBody>
+          <a:bodyPr/>
+          <a:lstStyle/>
+          <a:p>
+            <a:fld id="{7E3AEB0B-703A-154F-A184-D336BBE0AE43}" type="slidenum">
+              <a:rPr lang="en-GB" smtClean="0"/>
+              <a:t>3</a:t>
+            </a:fld>
+            <a:endParaRPr lang="en-GB"/>
+          </a:p>
+        </p:txBody>
+      </p:sp>
+    </p:spTree>
+    <p:extLst>
+      <p:ext uri="{BB962C8B-B14F-4D97-AF65-F5344CB8AC3E}">
+        <p14:creationId xmlns:p14="http://schemas.microsoft.com/office/powerpoint/2010/main" val="1190628721"/>
+      </p:ext>
+    </p:extLst>
+  </p:cSld>
+  <p:clrMapOvr>
+    <a:masterClrMapping/>
+  </p:clrMapOvr>
+</p:notes>
+</file>
+
 <file path=ppt/slideLayouts/slideLayout1.xml><?xml version="1.0" encoding="utf-8"?>
 <p:sldLayout xmlns:a="http://schemas.openxmlformats.org/drawingml/2006/main" xmlns:r="http://schemas.openxmlformats.org/officeDocument/2006/relationships" xmlns:p="http://schemas.openxmlformats.org/presentationml/2006/main" type="title" preserve="1">
   <p:cSld name="Title Slide">
@@ -294,7 +1155,7 @@
           <a:p>
             <a:fld id="{92C216ED-BE6F-D34A-8C03-54D2286548C4}" type="datetimeFigureOut">
               <a:rPr lang="en-US" smtClean="0"/>
-              <a:t>05/05/15</a:t>
+              <a:t>27/05/15</a:t>
             </a:fld>
             <a:endParaRPr lang="en-GB"/>
           </a:p>
@@ -464,7 +1325,7 @@
           <a:p>
             <a:fld id="{92C216ED-BE6F-D34A-8C03-54D2286548C4}" type="datetimeFigureOut">
               <a:rPr lang="en-US" smtClean="0"/>
-              <a:t>05/05/15</a:t>
+              <a:t>27/05/15</a:t>
             </a:fld>
             <a:endParaRPr lang="en-GB"/>
           </a:p>
@@ -644,7 +1505,7 @@
           <a:p>
             <a:fld id="{92C216ED-BE6F-D34A-8C03-54D2286548C4}" type="datetimeFigureOut">
               <a:rPr lang="en-US" smtClean="0"/>
-              <a:t>05/05/15</a:t>
+              <a:t>27/05/15</a:t>
             </a:fld>
             <a:endParaRPr lang="en-GB"/>
           </a:p>
@@ -814,7 +1675,7 @@
           <a:p>
             <a:fld id="{92C216ED-BE6F-D34A-8C03-54D2286548C4}" type="datetimeFigureOut">
               <a:rPr lang="en-US" smtClean="0"/>
-              <a:t>05/05/15</a:t>
+              <a:t>27/05/15</a:t>
             </a:fld>
             <a:endParaRPr lang="en-GB"/>
           </a:p>
@@ -1060,7 +1921,7 @@
           <a:p>
             <a:fld id="{92C216ED-BE6F-D34A-8C03-54D2286548C4}" type="datetimeFigureOut">
               <a:rPr lang="en-US" smtClean="0"/>
-              <a:t>05/05/15</a:t>
+              <a:t>27/05/15</a:t>
             </a:fld>
             <a:endParaRPr lang="en-GB"/>
           </a:p>
@@ -1348,7 +2209,7 @@
           <a:p>
             <a:fld id="{92C216ED-BE6F-D34A-8C03-54D2286548C4}" type="datetimeFigureOut">
               <a:rPr lang="en-US" smtClean="0"/>
-              <a:t>05/05/15</a:t>
+              <a:t>27/05/15</a:t>
             </a:fld>
             <a:endParaRPr lang="en-GB"/>
           </a:p>
@@ -1770,7 +2631,7 @@
           <a:p>
             <a:fld id="{92C216ED-BE6F-D34A-8C03-54D2286548C4}" type="datetimeFigureOut">
               <a:rPr lang="en-US" smtClean="0"/>
-              <a:t>05/05/15</a:t>
+              <a:t>27/05/15</a:t>
             </a:fld>
             <a:endParaRPr lang="en-GB"/>
           </a:p>
@@ -1888,7 +2749,7 @@
           <a:p>
             <a:fld id="{92C216ED-BE6F-D34A-8C03-54D2286548C4}" type="datetimeFigureOut">
               <a:rPr lang="en-US" smtClean="0"/>
-              <a:t>05/05/15</a:t>
+              <a:t>27/05/15</a:t>
             </a:fld>
             <a:endParaRPr lang="en-GB"/>
           </a:p>
@@ -1983,7 +2844,7 @@
           <a:p>
             <a:fld id="{92C216ED-BE6F-D34A-8C03-54D2286548C4}" type="datetimeFigureOut">
               <a:rPr lang="en-US" smtClean="0"/>
-              <a:t>05/05/15</a:t>
+              <a:t>27/05/15</a:t>
             </a:fld>
             <a:endParaRPr lang="en-GB"/>
           </a:p>
@@ -2260,7 +3121,7 @@
           <a:p>
             <a:fld id="{92C216ED-BE6F-D34A-8C03-54D2286548C4}" type="datetimeFigureOut">
               <a:rPr lang="en-US" smtClean="0"/>
-              <a:t>05/05/15</a:t>
+              <a:t>27/05/15</a:t>
             </a:fld>
             <a:endParaRPr lang="en-GB"/>
           </a:p>
@@ -2513,7 +3374,7 @@
           <a:p>
             <a:fld id="{92C216ED-BE6F-D34A-8C03-54D2286548C4}" type="datetimeFigureOut">
               <a:rPr lang="en-US" smtClean="0"/>
-              <a:t>05/05/15</a:t>
+              <a:t>27/05/15</a:t>
             </a:fld>
             <a:endParaRPr lang="en-GB"/>
           </a:p>
@@ -2726,7 +3587,7 @@
           <a:p>
             <a:fld id="{92C216ED-BE6F-D34A-8C03-54D2286548C4}" type="datetimeFigureOut">
               <a:rPr lang="en-US" smtClean="0"/>
-              <a:t>05/05/15</a:t>
+              <a:t>27/05/15</a:t>
             </a:fld>
             <a:endParaRPr lang="en-GB"/>
           </a:p>
@@ -3153,6 +4014,108 @@
   <p:clrMapOvr>
     <a:masterClrMapping/>
   </p:clrMapOvr>
+  <p:timing>
+    <p:tnLst>
+      <p:par>
+        <p:cTn xmlns:p14="http://schemas.microsoft.com/office/powerpoint/2010/main" id="1" dur="indefinite" restart="never" nodeType="tmRoot"/>
+      </p:par>
+    </p:tnLst>
+  </p:timing>
+</p:sld>
+</file>
+
+<file path=ppt/slides/slide10.xml><?xml version="1.0" encoding="utf-8"?>
+<p:sld xmlns:a="http://schemas.openxmlformats.org/drawingml/2006/main" xmlns:r="http://schemas.openxmlformats.org/officeDocument/2006/relationships" xmlns:p="http://schemas.openxmlformats.org/presentationml/2006/main">
+  <p:cSld>
+    <p:spTree>
+      <p:nvGrpSpPr>
+        <p:cNvPr id="1" name=""/>
+        <p:cNvGrpSpPr/>
+        <p:nvPr/>
+      </p:nvGrpSpPr>
+      <p:grpSpPr>
+        <a:xfrm>
+          <a:off x="0" y="0"/>
+          <a:ext cx="0" cy="0"/>
+          <a:chOff x="0" y="0"/>
+          <a:chExt cx="0" cy="0"/>
+        </a:xfrm>
+      </p:grpSpPr>
+      <p:sp>
+        <p:nvSpPr>
+          <p:cNvPr id="2" name="Title 1"/>
+          <p:cNvSpPr>
+            <a:spLocks noGrp="1"/>
+          </p:cNvSpPr>
+          <p:nvPr>
+            <p:ph type="title"/>
+          </p:nvPr>
+        </p:nvSpPr>
+        <p:spPr/>
+        <p:txBody>
+          <a:bodyPr/>
+          <a:lstStyle/>
+          <a:p>
+            <a:r>
+              <a:rPr lang="en-GB" dirty="0" smtClean="0"/>
+              <a:t>Contribution of your thesis</a:t>
+            </a:r>
+            <a:endParaRPr lang="en-GB" dirty="0"/>
+          </a:p>
+        </p:txBody>
+      </p:sp>
+      <p:sp>
+        <p:nvSpPr>
+          <p:cNvPr id="3" name="Content Placeholder 2"/>
+          <p:cNvSpPr>
+            <a:spLocks noGrp="1"/>
+          </p:cNvSpPr>
+          <p:nvPr>
+            <p:ph idx="1"/>
+          </p:nvPr>
+        </p:nvSpPr>
+        <p:spPr/>
+        <p:txBody>
+          <a:bodyPr/>
+          <a:lstStyle/>
+          <a:p>
+            <a:r>
+              <a:rPr lang="en-GB" dirty="0" smtClean="0"/>
+              <a:t>Empirical results</a:t>
+            </a:r>
+          </a:p>
+          <a:p>
+            <a:r>
+              <a:rPr lang="en-GB" dirty="0" smtClean="0"/>
+              <a:t>Framework for sampling experiences on mobile devices. Explored dimensions of context</a:t>
+            </a:r>
+          </a:p>
+          <a:p>
+            <a:r>
+              <a:rPr lang="en-GB" dirty="0" smtClean="0"/>
+              <a:t>Software artefacts</a:t>
+            </a:r>
+            <a:endParaRPr lang="en-GB" dirty="0"/>
+          </a:p>
+        </p:txBody>
+      </p:sp>
+    </p:spTree>
+    <p:extLst>
+      <p:ext uri="{BB962C8B-B14F-4D97-AF65-F5344CB8AC3E}">
+        <p14:creationId xmlns:p14="http://schemas.microsoft.com/office/powerpoint/2010/main" val="2858125118"/>
+      </p:ext>
+    </p:extLst>
+  </p:cSld>
+  <p:clrMapOvr>
+    <a:masterClrMapping/>
+  </p:clrMapOvr>
+  <p:timing>
+    <p:tnLst>
+      <p:par>
+        <p:cTn xmlns:p14="http://schemas.microsoft.com/office/powerpoint/2010/main" id="1" dur="indefinite" restart="never" nodeType="tmRoot"/>
+      </p:par>
+    </p:tnLst>
+  </p:timing>
 </p:sld>
 </file>
 
@@ -3213,7 +4176,7 @@
           <a:bodyPr/>
           <a:lstStyle/>
           <a:p>
-            <a:endParaRPr lang="en-GB"/>
+            <a:endParaRPr lang="en-GB" dirty="0"/>
           </a:p>
         </p:txBody>
       </p:sp>
@@ -3227,6 +4190,13 @@
   <p:clrMapOvr>
     <a:masterClrMapping/>
   </p:clrMapOvr>
+  <p:timing>
+    <p:tnLst>
+      <p:par>
+        <p:cTn xmlns:p14="http://schemas.microsoft.com/office/powerpoint/2010/main" id="1" dur="indefinite" restart="never" nodeType="tmRoot"/>
+      </p:par>
+    </p:tnLst>
+  </p:timing>
 </p:sld>
 </file>
 
@@ -3264,7 +4234,11 @@
           <a:p>
             <a:r>
               <a:rPr lang="en-GB" dirty="0" smtClean="0"/>
-              <a:t>The problem</a:t>
+              <a:t>The </a:t>
+            </a:r>
+            <a:r>
+              <a:rPr lang="en-GB" dirty="0" smtClean="0"/>
+              <a:t>problem. Scope</a:t>
             </a:r>
             <a:endParaRPr lang="en-GB" dirty="0"/>
           </a:p>
@@ -3285,10 +4259,116 @@
           <a:bodyPr/>
           <a:lstStyle/>
           <a:p>
-            <a:endParaRPr lang="en-GB"/>
-          </a:p>
-        </p:txBody>
-      </p:sp>
+            <a:r>
+              <a:rPr lang="en-GB" dirty="0" smtClean="0"/>
+              <a:t>Ubiquitous</a:t>
+            </a:r>
+          </a:p>
+          <a:p>
+            <a:r>
+              <a:rPr lang="en-GB" dirty="0" smtClean="0"/>
+              <a:t>Technology</a:t>
+            </a:r>
+          </a:p>
+          <a:p>
+            <a:r>
+              <a:rPr lang="en-GB" dirty="0" smtClean="0"/>
+              <a:t>Lifelong learners</a:t>
+            </a:r>
+            <a:endParaRPr lang="en-GB" dirty="0"/>
+          </a:p>
+        </p:txBody>
+      </p:sp>
+      <p:pic>
+        <p:nvPicPr>
+          <p:cNvPr id="4" name="Picture 3" descr="nfcreview_fig1a.png"/>
+          <p:cNvPicPr>
+            <a:picLocks noChangeAspect="1"/>
+          </p:cNvPicPr>
+          <p:nvPr/>
+        </p:nvPicPr>
+        <p:blipFill>
+          <a:blip r:embed="rId3">
+            <a:extLst>
+              <a:ext uri="{28A0092B-C50C-407E-A947-70E740481C1C}">
+                <a14:useLocalDpi xmlns:a14="http://schemas.microsoft.com/office/drawing/2010/main" val="0"/>
+              </a:ext>
+            </a:extLst>
+          </a:blip>
+          <a:stretch>
+            <a:fillRect/>
+          </a:stretch>
+        </p:blipFill>
+        <p:spPr>
+          <a:xfrm>
+            <a:off x="400159" y="4206240"/>
+            <a:ext cx="4315968" cy="2651760"/>
+          </a:xfrm>
+          <a:prstGeom prst="rect">
+            <a:avLst/>
+          </a:prstGeom>
+        </p:spPr>
+      </p:pic>
+      <p:pic>
+        <p:nvPicPr>
+          <p:cNvPr id="6" name="Picture 5" descr="nfcreview_fig2.png"/>
+          <p:cNvPicPr>
+            <a:picLocks noChangeAspect="1"/>
+          </p:cNvPicPr>
+          <p:nvPr/>
+        </p:nvPicPr>
+        <p:blipFill>
+          <a:blip r:embed="rId4">
+            <a:extLst>
+              <a:ext uri="{28A0092B-C50C-407E-A947-70E740481C1C}">
+                <a14:useLocalDpi xmlns:a14="http://schemas.microsoft.com/office/drawing/2010/main" val="0"/>
+              </a:ext>
+            </a:extLst>
+          </a:blip>
+          <a:stretch>
+            <a:fillRect/>
+          </a:stretch>
+        </p:blipFill>
+        <p:spPr>
+          <a:xfrm>
+            <a:off x="5974080" y="121920"/>
+            <a:ext cx="3169920" cy="2956560"/>
+          </a:xfrm>
+          <a:prstGeom prst="rect">
+            <a:avLst/>
+          </a:prstGeom>
+        </p:spPr>
+      </p:pic>
+      <p:pic>
+        <p:nvPicPr>
+          <p:cNvPr id="5" name="Picture 4" descr="nfcreview_fig1b.png"/>
+          <p:cNvPicPr>
+            <a:picLocks noChangeAspect="1"/>
+          </p:cNvPicPr>
+          <p:nvPr/>
+        </p:nvPicPr>
+        <p:blipFill>
+          <a:blip r:embed="rId5">
+            <a:extLst>
+              <a:ext uri="{28A0092B-C50C-407E-A947-70E740481C1C}">
+                <a14:useLocalDpi xmlns:a14="http://schemas.microsoft.com/office/drawing/2010/main" val="0"/>
+              </a:ext>
+            </a:extLst>
+          </a:blip>
+          <a:stretch>
+            <a:fillRect/>
+          </a:stretch>
+        </p:blipFill>
+        <p:spPr>
+          <a:xfrm>
+            <a:off x="5152571" y="3479655"/>
+            <a:ext cx="3474720" cy="3236976"/>
+          </a:xfrm>
+          <a:prstGeom prst="rect">
+            <a:avLst/>
+          </a:prstGeom>
+        </p:spPr>
+      </p:pic>
     </p:spTree>
     <p:extLst>
       <p:ext uri="{BB962C8B-B14F-4D97-AF65-F5344CB8AC3E}">
@@ -3299,6 +4379,13 @@
   <p:clrMapOvr>
     <a:masterClrMapping/>
   </p:clrMapOvr>
+  <p:timing>
+    <p:tnLst>
+      <p:par>
+        <p:cTn xmlns:p14="http://schemas.microsoft.com/office/powerpoint/2010/main" id="1" dur="indefinite" restart="never" nodeType="tmRoot"/>
+      </p:par>
+    </p:tnLst>
+  </p:timing>
 </p:sld>
 </file>
 
@@ -3382,6 +4469,13 @@
   <p:clrMapOvr>
     <a:masterClrMapping/>
   </p:clrMapOvr>
+  <p:timing>
+    <p:tnLst>
+      <p:par>
+        <p:cTn xmlns:p14="http://schemas.microsoft.com/office/powerpoint/2010/main" id="1" dur="indefinite" restart="never" nodeType="tmRoot"/>
+      </p:par>
+    </p:tnLst>
+  </p:timing>
 </p:sld>
 </file>
 
@@ -3477,8 +4571,16 @@
           </a:p>
           <a:p>
             <a:r>
+              <a:rPr lang="en-GB" dirty="0" err="1" smtClean="0"/>
+              <a:t>Arduino</a:t>
+            </a:r>
+            <a:r>
+              <a:rPr lang="en-GB" smtClean="0"/>
+              <a:t>. Ambient </a:t>
+            </a:r>
+            <a:r>
               <a:rPr lang="en-GB" dirty="0" smtClean="0"/>
-              <a:t>Ambient displays</a:t>
+              <a:t>displays</a:t>
             </a:r>
           </a:p>
           <a:p>
@@ -3496,6 +4598,13 @@
   <p:clrMapOvr>
     <a:masterClrMapping/>
   </p:clrMapOvr>
+  <p:timing>
+    <p:tnLst>
+      <p:par>
+        <p:cTn xmlns:p14="http://schemas.microsoft.com/office/powerpoint/2010/main" id="1" dur="indefinite" restart="never" nodeType="tmRoot"/>
+      </p:par>
+    </p:tnLst>
+  </p:timing>
 </p:sld>
 </file>
 
@@ -3535,7 +4644,15 @@
           <a:p>
             <a:r>
               <a:rPr lang="en-GB" dirty="0" smtClean="0"/>
-              <a:t>Key concept to support lifelong learners</a:t>
+              <a:t>Key </a:t>
+            </a:r>
+            <a:r>
+              <a:rPr lang="en-GB" dirty="0" smtClean="0"/>
+              <a:t>concepts </a:t>
+            </a:r>
+            <a:r>
+              <a:rPr lang="en-GB" dirty="0" smtClean="0"/>
+              <a:t>to support lifelong learners</a:t>
             </a:r>
             <a:endParaRPr lang="en-GB" dirty="0"/>
           </a:p>
@@ -3598,6 +4715,13 @@
   <p:clrMapOvr>
     <a:masterClrMapping/>
   </p:clrMapOvr>
+  <p:timing>
+    <p:tnLst>
+      <p:par>
+        <p:cTn xmlns:p14="http://schemas.microsoft.com/office/powerpoint/2010/main" id="1" dur="indefinite" restart="never" nodeType="tmRoot"/>
+      </p:par>
+    </p:tnLst>
+  </p:timing>
 </p:sld>
 </file>
 
@@ -3630,12 +4754,14 @@
         </p:nvSpPr>
         <p:spPr/>
         <p:txBody>
-          <a:bodyPr/>
+          <a:bodyPr>
+            <a:normAutofit/>
+          </a:bodyPr>
           <a:lstStyle/>
           <a:p>
             <a:r>
               <a:rPr lang="en-GB" dirty="0" smtClean="0"/>
-              <a:t>Contribution of your thesis</a:t>
+              <a:t>Theoretical approach</a:t>
             </a:r>
             <a:endParaRPr lang="en-GB" dirty="0"/>
           </a:p>
@@ -3656,36 +4782,187 @@
           <a:bodyPr/>
           <a:lstStyle/>
           <a:p>
-            <a:r>
-              <a:rPr lang="en-GB" dirty="0" smtClean="0"/>
-              <a:t>Empirical results</a:t>
-            </a:r>
-          </a:p>
-          <a:p>
-            <a:r>
-              <a:rPr lang="en-GB" dirty="0" smtClean="0"/>
-              <a:t>Framework for sampling experiences on mobile devices. Explored dimensions of context</a:t>
-            </a:r>
-          </a:p>
-          <a:p>
-            <a:r>
-              <a:rPr lang="en-GB" dirty="0" smtClean="0"/>
-              <a:t>Software artefacts</a:t>
-            </a:r>
-            <a:endParaRPr lang="en-GB" dirty="0"/>
+            <a:endParaRPr lang="en-GB"/>
           </a:p>
         </p:txBody>
       </p:sp>
     </p:spTree>
     <p:extLst>
       <p:ext uri="{BB962C8B-B14F-4D97-AF65-F5344CB8AC3E}">
-        <p14:creationId xmlns:p14="http://schemas.microsoft.com/office/powerpoint/2010/main" val="2858125118"/>
+        <p14:creationId xmlns:p14="http://schemas.microsoft.com/office/powerpoint/2010/main" val="469238863"/>
       </p:ext>
     </p:extLst>
   </p:cSld>
   <p:clrMapOvr>
     <a:masterClrMapping/>
   </p:clrMapOvr>
+  <p:timing>
+    <p:tnLst>
+      <p:par>
+        <p:cTn xmlns:p14="http://schemas.microsoft.com/office/powerpoint/2010/main" id="1" dur="indefinite" restart="never" nodeType="tmRoot"/>
+      </p:par>
+    </p:tnLst>
+  </p:timing>
+</p:sld>
+</file>
+
+<file path=ppt/slides/slide8.xml><?xml version="1.0" encoding="utf-8"?>
+<p:sld xmlns:a="http://schemas.openxmlformats.org/drawingml/2006/main" xmlns:r="http://schemas.openxmlformats.org/officeDocument/2006/relationships" xmlns:p="http://schemas.openxmlformats.org/presentationml/2006/main">
+  <p:cSld>
+    <p:spTree>
+      <p:nvGrpSpPr>
+        <p:cNvPr id="1" name=""/>
+        <p:cNvGrpSpPr/>
+        <p:nvPr/>
+      </p:nvGrpSpPr>
+      <p:grpSpPr>
+        <a:xfrm>
+          <a:off x="0" y="0"/>
+          <a:ext cx="0" cy="0"/>
+          <a:chOff x="0" y="0"/>
+          <a:chExt cx="0" cy="0"/>
+        </a:xfrm>
+      </p:grpSpPr>
+      <p:sp>
+        <p:nvSpPr>
+          <p:cNvPr id="2" name="Title 1"/>
+          <p:cNvSpPr>
+            <a:spLocks noGrp="1"/>
+          </p:cNvSpPr>
+          <p:nvPr>
+            <p:ph type="title"/>
+          </p:nvPr>
+        </p:nvSpPr>
+        <p:spPr/>
+        <p:txBody>
+          <a:bodyPr/>
+          <a:lstStyle/>
+          <a:p>
+            <a:r>
+              <a:rPr lang="en-GB" dirty="0" smtClean="0"/>
+              <a:t>Formative studies</a:t>
+            </a:r>
+            <a:endParaRPr lang="en-GB" dirty="0"/>
+          </a:p>
+        </p:txBody>
+      </p:sp>
+      <p:sp>
+        <p:nvSpPr>
+          <p:cNvPr id="3" name="Content Placeholder 2"/>
+          <p:cNvSpPr>
+            <a:spLocks noGrp="1"/>
+          </p:cNvSpPr>
+          <p:nvPr>
+            <p:ph idx="1"/>
+          </p:nvPr>
+        </p:nvSpPr>
+        <p:spPr/>
+        <p:txBody>
+          <a:bodyPr/>
+          <a:lstStyle/>
+          <a:p>
+            <a:endParaRPr lang="en-GB"/>
+          </a:p>
+        </p:txBody>
+      </p:sp>
+    </p:spTree>
+    <p:extLst>
+      <p:ext uri="{BB962C8B-B14F-4D97-AF65-F5344CB8AC3E}">
+        <p14:creationId xmlns:p14="http://schemas.microsoft.com/office/powerpoint/2010/main" val="2663701005"/>
+      </p:ext>
+    </p:extLst>
+  </p:cSld>
+  <p:clrMapOvr>
+    <a:masterClrMapping/>
+  </p:clrMapOvr>
+  <p:timing>
+    <p:tnLst>
+      <p:par>
+        <p:cTn xmlns:p14="http://schemas.microsoft.com/office/powerpoint/2010/main" id="1" dur="indefinite" restart="never" nodeType="tmRoot"/>
+      </p:par>
+    </p:tnLst>
+  </p:timing>
+</p:sld>
+</file>
+
+<file path=ppt/slides/slide9.xml><?xml version="1.0" encoding="utf-8"?>
+<p:sld xmlns:a="http://schemas.openxmlformats.org/drawingml/2006/main" xmlns:r="http://schemas.openxmlformats.org/officeDocument/2006/relationships" xmlns:p="http://schemas.openxmlformats.org/presentationml/2006/main">
+  <p:cSld>
+    <p:spTree>
+      <p:nvGrpSpPr>
+        <p:cNvPr id="1" name=""/>
+        <p:cNvGrpSpPr/>
+        <p:nvPr/>
+      </p:nvGrpSpPr>
+      <p:grpSpPr>
+        <a:xfrm>
+          <a:off x="0" y="0"/>
+          <a:ext cx="0" cy="0"/>
+          <a:chOff x="0" y="0"/>
+          <a:chExt cx="0" cy="0"/>
+        </a:xfrm>
+      </p:grpSpPr>
+      <p:sp>
+        <p:nvSpPr>
+          <p:cNvPr id="2" name="Title 1"/>
+          <p:cNvSpPr>
+            <a:spLocks noGrp="1"/>
+          </p:cNvSpPr>
+          <p:nvPr>
+            <p:ph type="title"/>
+          </p:nvPr>
+        </p:nvSpPr>
+        <p:spPr/>
+        <p:txBody>
+          <a:bodyPr>
+            <a:normAutofit/>
+          </a:bodyPr>
+          <a:lstStyle/>
+          <a:p>
+            <a:r>
+              <a:rPr lang="en-GB" dirty="0" smtClean="0"/>
+              <a:t>Empirical findings</a:t>
+            </a:r>
+            <a:endParaRPr lang="en-GB" dirty="0"/>
+          </a:p>
+        </p:txBody>
+      </p:sp>
+      <p:sp>
+        <p:nvSpPr>
+          <p:cNvPr id="3" name="Content Placeholder 2"/>
+          <p:cNvSpPr>
+            <a:spLocks noGrp="1"/>
+          </p:cNvSpPr>
+          <p:nvPr>
+            <p:ph idx="1"/>
+          </p:nvPr>
+        </p:nvSpPr>
+        <p:spPr/>
+        <p:txBody>
+          <a:bodyPr/>
+          <a:lstStyle/>
+          <a:p>
+            <a:endParaRPr lang="en-GB"/>
+          </a:p>
+        </p:txBody>
+      </p:sp>
+    </p:spTree>
+    <p:extLst>
+      <p:ext uri="{BB962C8B-B14F-4D97-AF65-F5344CB8AC3E}">
+        <p14:creationId xmlns:p14="http://schemas.microsoft.com/office/powerpoint/2010/main" val="3685739943"/>
+      </p:ext>
+    </p:extLst>
+  </p:cSld>
+  <p:clrMapOvr>
+    <a:masterClrMapping/>
+  </p:clrMapOvr>
+  <p:timing>
+    <p:tnLst>
+      <p:par>
+        <p:cTn xmlns:p14="http://schemas.microsoft.com/office/powerpoint/2010/main" id="1" dur="indefinite" restart="never" nodeType="tmRoot"/>
+      </p:par>
+    </p:tnLst>
+  </p:timing>
 </p:sld>
 </file>
 
@@ -4007,4 +5284,324 @@
   </a:objectDefaults>
   <a:extraClrSchemeLst/>
 </a:theme>
+</file>
+
+<file path=ppt/theme/theme2.xml><?xml version="1.0" encoding="utf-8"?>
+<a:theme xmlns:a="http://schemas.openxmlformats.org/drawingml/2006/main" name="Office Theme">
+  <a:themeElements>
+    <a:clrScheme name="Office">
+      <a:dk1>
+        <a:sysClr val="windowText" lastClr="000000"/>
+      </a:dk1>
+      <a:lt1>
+        <a:sysClr val="window" lastClr="FFFFFF"/>
+      </a:lt1>
+      <a:dk2>
+        <a:srgbClr val="1F497D"/>
+      </a:dk2>
+      <a:lt2>
+        <a:srgbClr val="EEECE1"/>
+      </a:lt2>
+      <a:accent1>
+        <a:srgbClr val="4F81BD"/>
+      </a:accent1>
+      <a:accent2>
+        <a:srgbClr val="C0504D"/>
+      </a:accent2>
+      <a:accent3>
+        <a:srgbClr val="9BBB59"/>
+      </a:accent3>
+      <a:accent4>
+        <a:srgbClr val="8064A2"/>
+      </a:accent4>
+      <a:accent5>
+        <a:srgbClr val="4BACC6"/>
+      </a:accent5>
+      <a:accent6>
+        <a:srgbClr val="F79646"/>
+      </a:accent6>
+      <a:hlink>
+        <a:srgbClr val="0000FF"/>
+      </a:hlink>
+      <a:folHlink>
+        <a:srgbClr val="800080"/>
+      </a:folHlink>
+    </a:clrScheme>
+    <a:fontScheme name="Office">
+      <a:majorFont>
+        <a:latin typeface="Calibri"/>
+        <a:ea typeface=""/>
+        <a:cs typeface=""/>
+        <a:font script="Jpan" typeface="ＭＳ Ｐゴシック"/>
+        <a:font script="Hang" typeface="맑은 고딕"/>
+        <a:font script="Hans" typeface="宋体"/>
+        <a:font script="Hant" typeface="新細明體"/>
+        <a:font script="Arab" typeface="Times New Roman"/>
+        <a:font script="Hebr" typeface="Times New Roman"/>
+        <a:font script="Thai" typeface="Angsana New"/>
+        <a:font script="Ethi" typeface="Nyala"/>
+        <a:font script="Beng" typeface="Vrinda"/>
+        <a:font script="Gujr" typeface="Shruti"/>
+        <a:font script="Khmr" typeface="MoolBoran"/>
+        <a:font script="Knda" typeface="Tunga"/>
+        <a:font script="Guru" typeface="Raavi"/>
+        <a:font script="Cans" typeface="Euphemia"/>
+        <a:font script="Cher" typeface="Plantagenet Cherokee"/>
+        <a:font script="Yiii" typeface="Microsoft Yi Baiti"/>
+        <a:font script="Tibt" typeface="Microsoft Himalaya"/>
+        <a:font script="Thaa" typeface="MV Boli"/>
+        <a:font script="Deva" typeface="Mangal"/>
+        <a:font script="Telu" typeface="Gautami"/>
+        <a:font script="Taml" typeface="Latha"/>
+        <a:font script="Syrc" typeface="Estrangelo Edessa"/>
+        <a:font script="Orya" typeface="Kalinga"/>
+        <a:font script="Mlym" typeface="Kartika"/>
+        <a:font script="Laoo" typeface="DokChampa"/>
+        <a:font script="Sinh" typeface="Iskoola Pota"/>
+        <a:font script="Mong" typeface="Mongolian Baiti"/>
+        <a:font script="Viet" typeface="Times New Roman"/>
+        <a:font script="Uigh" typeface="Microsoft Uighur"/>
+        <a:font script="Geor" typeface="Sylfaen"/>
+      </a:majorFont>
+      <a:minorFont>
+        <a:latin typeface="Calibri"/>
+        <a:ea typeface=""/>
+        <a:cs typeface=""/>
+        <a:font script="Jpan" typeface="ＭＳ Ｐゴシック"/>
+        <a:font script="Hang" typeface="맑은 고딕"/>
+        <a:font script="Hans" typeface="宋体"/>
+        <a:font script="Hant" typeface="新細明體"/>
+        <a:font script="Arab" typeface="Arial"/>
+        <a:font script="Hebr" typeface="Arial"/>
+        <a:font script="Thai" typeface="Cordia New"/>
+        <a:font script="Ethi" typeface="Nyala"/>
+        <a:font script="Beng" typeface="Vrinda"/>
+        <a:font script="Gujr" typeface="Shruti"/>
+        <a:font script="Khmr" typeface="DaunPenh"/>
+        <a:font script="Knda" typeface="Tunga"/>
+        <a:font script="Guru" typeface="Raavi"/>
+        <a:font script="Cans" typeface="Euphemia"/>
+        <a:font script="Cher" typeface="Plantagenet Cherokee"/>
+        <a:font script="Yiii" typeface="Microsoft Yi Baiti"/>
+        <a:font script="Tibt" typeface="Microsoft Himalaya"/>
+        <a:font script="Thaa" typeface="MV Boli"/>
+        <a:font script="Deva" typeface="Mangal"/>
+        <a:font script="Telu" typeface="Gautami"/>
+        <a:font script="Taml" typeface="Latha"/>
+        <a:font script="Syrc" typeface="Estrangelo Edessa"/>
+        <a:font script="Orya" typeface="Kalinga"/>
+        <a:font script="Mlym" typeface="Kartika"/>
+        <a:font script="Laoo" typeface="DokChampa"/>
+        <a:font script="Sinh" typeface="Iskoola Pota"/>
+        <a:font script="Mong" typeface="Mongolian Baiti"/>
+        <a:font script="Viet" typeface="Arial"/>
+        <a:font script="Uigh" typeface="Microsoft Uighur"/>
+        <a:font script="Geor" typeface="Sylfaen"/>
+      </a:minorFont>
+    </a:fontScheme>
+    <a:fmtScheme name="Office">
+      <a:fillStyleLst>
+        <a:solidFill>
+          <a:schemeClr val="phClr"/>
+        </a:solidFill>
+        <a:gradFill rotWithShape="1">
+          <a:gsLst>
+            <a:gs pos="0">
+              <a:schemeClr val="phClr">
+                <a:tint val="50000"/>
+                <a:satMod val="300000"/>
+              </a:schemeClr>
+            </a:gs>
+            <a:gs pos="35000">
+              <a:schemeClr val="phClr">
+                <a:tint val="37000"/>
+                <a:satMod val="300000"/>
+              </a:schemeClr>
+            </a:gs>
+            <a:gs pos="100000">
+              <a:schemeClr val="phClr">
+                <a:tint val="15000"/>
+                <a:satMod val="350000"/>
+              </a:schemeClr>
+            </a:gs>
+          </a:gsLst>
+          <a:lin ang="16200000" scaled="1"/>
+        </a:gradFill>
+        <a:gradFill rotWithShape="1">
+          <a:gsLst>
+            <a:gs pos="0">
+              <a:schemeClr val="phClr">
+                <a:tint val="100000"/>
+                <a:shade val="100000"/>
+                <a:satMod val="130000"/>
+              </a:schemeClr>
+            </a:gs>
+            <a:gs pos="100000">
+              <a:schemeClr val="phClr">
+                <a:tint val="50000"/>
+                <a:shade val="100000"/>
+                <a:satMod val="350000"/>
+              </a:schemeClr>
+            </a:gs>
+          </a:gsLst>
+          <a:lin ang="16200000" scaled="0"/>
+        </a:gradFill>
+      </a:fillStyleLst>
+      <a:lnStyleLst>
+        <a:ln w="9525" cap="flat" cmpd="sng" algn="ctr">
+          <a:solidFill>
+            <a:schemeClr val="phClr">
+              <a:shade val="95000"/>
+              <a:satMod val="105000"/>
+            </a:schemeClr>
+          </a:solidFill>
+          <a:prstDash val="solid"/>
+        </a:ln>
+        <a:ln w="25400" cap="flat" cmpd="sng" algn="ctr">
+          <a:solidFill>
+            <a:schemeClr val="phClr"/>
+          </a:solidFill>
+          <a:prstDash val="solid"/>
+        </a:ln>
+        <a:ln w="38100" cap="flat" cmpd="sng" algn="ctr">
+          <a:solidFill>
+            <a:schemeClr val="phClr"/>
+          </a:solidFill>
+          <a:prstDash val="solid"/>
+        </a:ln>
+      </a:lnStyleLst>
+      <a:effectStyleLst>
+        <a:effectStyle>
+          <a:effectLst>
+            <a:outerShdw blurRad="40000" dist="20000" dir="5400000" rotWithShape="0">
+              <a:srgbClr val="000000">
+                <a:alpha val="38000"/>
+              </a:srgbClr>
+            </a:outerShdw>
+          </a:effectLst>
+        </a:effectStyle>
+        <a:effectStyle>
+          <a:effectLst>
+            <a:outerShdw blurRad="40000" dist="23000" dir="5400000" rotWithShape="0">
+              <a:srgbClr val="000000">
+                <a:alpha val="35000"/>
+              </a:srgbClr>
+            </a:outerShdw>
+          </a:effectLst>
+        </a:effectStyle>
+        <a:effectStyle>
+          <a:effectLst>
+            <a:outerShdw blurRad="40000" dist="23000" dir="5400000" rotWithShape="0">
+              <a:srgbClr val="000000">
+                <a:alpha val="35000"/>
+              </a:srgbClr>
+            </a:outerShdw>
+          </a:effectLst>
+          <a:scene3d>
+            <a:camera prst="orthographicFront">
+              <a:rot lat="0" lon="0" rev="0"/>
+            </a:camera>
+            <a:lightRig rig="threePt" dir="t">
+              <a:rot lat="0" lon="0" rev="1200000"/>
+            </a:lightRig>
+          </a:scene3d>
+          <a:sp3d>
+            <a:bevelT w="63500" h="25400"/>
+          </a:sp3d>
+        </a:effectStyle>
+      </a:effectStyleLst>
+      <a:bgFillStyleLst>
+        <a:solidFill>
+          <a:schemeClr val="phClr"/>
+        </a:solidFill>
+        <a:gradFill rotWithShape="1">
+          <a:gsLst>
+            <a:gs pos="0">
+              <a:schemeClr val="phClr">
+                <a:tint val="40000"/>
+                <a:satMod val="350000"/>
+              </a:schemeClr>
+            </a:gs>
+            <a:gs pos="40000">
+              <a:schemeClr val="phClr">
+                <a:tint val="45000"/>
+                <a:shade val="99000"/>
+                <a:satMod val="350000"/>
+              </a:schemeClr>
+            </a:gs>
+            <a:gs pos="100000">
+              <a:schemeClr val="phClr">
+                <a:shade val="20000"/>
+                <a:satMod val="255000"/>
+              </a:schemeClr>
+            </a:gs>
+          </a:gsLst>
+          <a:path path="circle">
+            <a:fillToRect l="50000" t="-80000" r="50000" b="180000"/>
+          </a:path>
+        </a:gradFill>
+        <a:gradFill rotWithShape="1">
+          <a:gsLst>
+            <a:gs pos="0">
+              <a:schemeClr val="phClr">
+                <a:tint val="80000"/>
+                <a:satMod val="300000"/>
+              </a:schemeClr>
+            </a:gs>
+            <a:gs pos="100000">
+              <a:schemeClr val="phClr">
+                <a:shade val="30000"/>
+                <a:satMod val="200000"/>
+              </a:schemeClr>
+            </a:gs>
+          </a:gsLst>
+          <a:path path="circle">
+            <a:fillToRect l="50000" t="50000" r="50000" b="50000"/>
+          </a:path>
+        </a:gradFill>
+      </a:bgFillStyleLst>
+    </a:fmtScheme>
+  </a:themeElements>
+  <a:objectDefaults>
+    <a:spDef>
+      <a:spPr/>
+      <a:bodyPr/>
+      <a:lstStyle/>
+      <a:style>
+        <a:lnRef idx="1">
+          <a:schemeClr val="accent1"/>
+        </a:lnRef>
+        <a:fillRef idx="3">
+          <a:schemeClr val="accent1"/>
+        </a:fillRef>
+        <a:effectRef idx="2">
+          <a:schemeClr val="accent1"/>
+        </a:effectRef>
+        <a:fontRef idx="minor">
+          <a:schemeClr val="lt1"/>
+        </a:fontRef>
+      </a:style>
+    </a:spDef>
+    <a:lnDef>
+      <a:spPr/>
+      <a:bodyPr/>
+      <a:lstStyle/>
+      <a:style>
+        <a:lnRef idx="2">
+          <a:schemeClr val="accent1"/>
+        </a:lnRef>
+        <a:fillRef idx="0">
+          <a:schemeClr val="accent1"/>
+        </a:fillRef>
+        <a:effectRef idx="1">
+          <a:schemeClr val="accent1"/>
+        </a:effectRef>
+        <a:fontRef idx="minor">
+          <a:schemeClr val="tx1"/>
+        </a:fontRef>
+      </a:style>
+    </a:lnDef>
+  </a:objectDefaults>
+  <a:extraClrSchemeLst/>
+</a:theme>
 </file>